--- a/Project-Increment-2/Documentation/flowDiagram.pptx
+++ b/Project-Increment-2/Documentation/flowDiagram.pptx
@@ -104,6 +104,11 @@
       </a:defRPr>
     </a:lvl9pPr>
   </p:defaultTextStyle>
+  <p:extLst>
+    <p:ext uri="{EFAFB233-063F-42B5-8137-9DF3F51BA10A}">
+      <p15:sldGuideLst xmlns:p15="http://schemas.microsoft.com/office/powerpoint/2012/main"/>
+    </p:ext>
+  </p:extLst>
 </p:presentation>
 </file>
 
@@ -238,7 +243,7 @@
           <a:p>
             <a:fld id="{DD51B35D-314C-4750-B9BD-34B668A81BFF}" type="datetimeFigureOut">
               <a:rPr lang="en-US" smtClean="0"/>
-              <a:t>4/29/2020</a:t>
+              <a:t>4/30/2020</a:t>
             </a:fld>
             <a:endParaRPr lang="en-US"/>
           </a:p>
@@ -408,7 +413,7 @@
           <a:p>
             <a:fld id="{DD51B35D-314C-4750-B9BD-34B668A81BFF}" type="datetimeFigureOut">
               <a:rPr lang="en-US" smtClean="0"/>
-              <a:t>4/29/2020</a:t>
+              <a:t>4/30/2020</a:t>
             </a:fld>
             <a:endParaRPr lang="en-US"/>
           </a:p>
@@ -588,7 +593,7 @@
           <a:p>
             <a:fld id="{DD51B35D-314C-4750-B9BD-34B668A81BFF}" type="datetimeFigureOut">
               <a:rPr lang="en-US" smtClean="0"/>
-              <a:t>4/29/2020</a:t>
+              <a:t>4/30/2020</a:t>
             </a:fld>
             <a:endParaRPr lang="en-US"/>
           </a:p>
@@ -758,7 +763,7 @@
           <a:p>
             <a:fld id="{DD51B35D-314C-4750-B9BD-34B668A81BFF}" type="datetimeFigureOut">
               <a:rPr lang="en-US" smtClean="0"/>
-              <a:t>4/29/2020</a:t>
+              <a:t>4/30/2020</a:t>
             </a:fld>
             <a:endParaRPr lang="en-US"/>
           </a:p>
@@ -1002,7 +1007,7 @@
           <a:p>
             <a:fld id="{DD51B35D-314C-4750-B9BD-34B668A81BFF}" type="datetimeFigureOut">
               <a:rPr lang="en-US" smtClean="0"/>
-              <a:t>4/29/2020</a:t>
+              <a:t>4/30/2020</a:t>
             </a:fld>
             <a:endParaRPr lang="en-US"/>
           </a:p>
@@ -1234,7 +1239,7 @@
           <a:p>
             <a:fld id="{DD51B35D-314C-4750-B9BD-34B668A81BFF}" type="datetimeFigureOut">
               <a:rPr lang="en-US" smtClean="0"/>
-              <a:t>4/29/2020</a:t>
+              <a:t>4/30/2020</a:t>
             </a:fld>
             <a:endParaRPr lang="en-US"/>
           </a:p>
@@ -1601,7 +1606,7 @@
           <a:p>
             <a:fld id="{DD51B35D-314C-4750-B9BD-34B668A81BFF}" type="datetimeFigureOut">
               <a:rPr lang="en-US" smtClean="0"/>
-              <a:t>4/29/2020</a:t>
+              <a:t>4/30/2020</a:t>
             </a:fld>
             <a:endParaRPr lang="en-US"/>
           </a:p>
@@ -1719,7 +1724,7 @@
           <a:p>
             <a:fld id="{DD51B35D-314C-4750-B9BD-34B668A81BFF}" type="datetimeFigureOut">
               <a:rPr lang="en-US" smtClean="0"/>
-              <a:t>4/29/2020</a:t>
+              <a:t>4/30/2020</a:t>
             </a:fld>
             <a:endParaRPr lang="en-US"/>
           </a:p>
@@ -1814,7 +1819,7 @@
           <a:p>
             <a:fld id="{DD51B35D-314C-4750-B9BD-34B668A81BFF}" type="datetimeFigureOut">
               <a:rPr lang="en-US" smtClean="0"/>
-              <a:t>4/29/2020</a:t>
+              <a:t>4/30/2020</a:t>
             </a:fld>
             <a:endParaRPr lang="en-US"/>
           </a:p>
@@ -2091,7 +2096,7 @@
           <a:p>
             <a:fld id="{DD51B35D-314C-4750-B9BD-34B668A81BFF}" type="datetimeFigureOut">
               <a:rPr lang="en-US" smtClean="0"/>
-              <a:t>4/29/2020</a:t>
+              <a:t>4/30/2020</a:t>
             </a:fld>
             <a:endParaRPr lang="en-US"/>
           </a:p>
@@ -2348,7 +2353,7 @@
           <a:p>
             <a:fld id="{DD51B35D-314C-4750-B9BD-34B668A81BFF}" type="datetimeFigureOut">
               <a:rPr lang="en-US" smtClean="0"/>
-              <a:t>4/29/2020</a:t>
+              <a:t>4/30/2020</a:t>
             </a:fld>
             <a:endParaRPr lang="en-US"/>
           </a:p>
@@ -2561,7 +2566,7 @@
           <a:p>
             <a:fld id="{DD51B35D-314C-4750-B9BD-34B668A81BFF}" type="datetimeFigureOut">
               <a:rPr lang="en-US" smtClean="0"/>
-              <a:t>4/29/2020</a:t>
+              <a:t>4/30/2020</a:t>
             </a:fld>
             <a:endParaRPr lang="en-US"/>
           </a:p>
@@ -2966,6 +2971,47 @@
           <a:chExt cx="0" cy="0"/>
         </a:xfrm>
       </p:grpSpPr>
+      <p:cxnSp>
+        <p:nvCxnSpPr>
+          <p:cNvPr id="28" name="Straight Arrow Connector 27">
+            <a:extLst>
+              <a:ext uri="{FF2B5EF4-FFF2-40B4-BE49-F238E27FC236}">
+                <a16:creationId xmlns:a16="http://schemas.microsoft.com/office/drawing/2014/main" id="{0F1A8321-72B5-4633-8CF5-BB34B70506C9}"/>
+              </a:ext>
+            </a:extLst>
+          </p:cNvPr>
+          <p:cNvCxnSpPr>
+            <a:cxnSpLocks/>
+          </p:cNvCxnSpPr>
+          <p:nvPr/>
+        </p:nvCxnSpPr>
+        <p:spPr>
+          <a:xfrm>
+            <a:off x="7471841" y="4614325"/>
+            <a:ext cx="0" cy="1521243"/>
+          </a:xfrm>
+          <a:prstGeom prst="straightConnector1">
+            <a:avLst/>
+          </a:prstGeom>
+          <a:ln>
+            <a:tailEnd type="triangle"/>
+          </a:ln>
+        </p:spPr>
+        <p:style>
+          <a:lnRef idx="3">
+            <a:schemeClr val="dk1"/>
+          </a:lnRef>
+          <a:fillRef idx="0">
+            <a:schemeClr val="dk1"/>
+          </a:fillRef>
+          <a:effectRef idx="2">
+            <a:schemeClr val="dk1"/>
+          </a:effectRef>
+          <a:fontRef idx="minor">
+            <a:schemeClr val="tx1"/>
+          </a:fontRef>
+        </p:style>
+      </p:cxnSp>
       <p:sp>
         <p:nvSpPr>
           <p:cNvPr id="4" name="Cylinder 3">
@@ -3208,61 +3254,7 @@
             </a:br>
             <a:r>
               <a:rPr lang="en-US" sz="1400" b="1" dirty="0"/>
-              <a:t>(Pre-processing)</a:t>
-            </a:r>
-          </a:p>
-        </p:txBody>
-      </p:sp>
-      <p:sp>
-        <p:nvSpPr>
-          <p:cNvPr id="11" name="Rectangle: Rounded Corners 10">
-            <a:extLst>
-              <a:ext uri="{FF2B5EF4-FFF2-40B4-BE49-F238E27FC236}">
-                <a16:creationId xmlns:a16="http://schemas.microsoft.com/office/drawing/2014/main" id="{4824016B-7707-4C71-BE7C-AB173BB5E8A8}"/>
-              </a:ext>
-            </a:extLst>
-          </p:cNvPr>
-          <p:cNvSpPr/>
-          <p:nvPr/>
-        </p:nvSpPr>
-        <p:spPr>
-          <a:xfrm>
-            <a:off x="1919815" y="6306189"/>
-            <a:ext cx="2427214" cy="640680"/>
-          </a:xfrm>
-          <a:prstGeom prst="roundRect">
-            <a:avLst/>
-          </a:prstGeom>
-        </p:spPr>
-        <p:style>
-          <a:lnRef idx="2">
-            <a:schemeClr val="dk1"/>
-          </a:lnRef>
-          <a:fillRef idx="1">
-            <a:schemeClr val="lt1"/>
-          </a:fillRef>
-          <a:effectRef idx="0">
-            <a:schemeClr val="dk1"/>
-          </a:effectRef>
-          <a:fontRef idx="minor">
-            <a:schemeClr val="dk1"/>
-          </a:fontRef>
-        </p:style>
-        <p:txBody>
-          <a:bodyPr rtlCol="0" anchor="ctr"/>
-          <a:lstStyle/>
-          <a:p>
-            <a:pPr algn="ctr"/>
-            <a:r>
-              <a:rPr lang="en-US" sz="1400" b="1" dirty="0"/>
-              <a:t>Extra Pre-processing with Spark </a:t>
-            </a:r>
-            <a:br>
-              <a:rPr lang="en-US" sz="1400" b="1" dirty="0"/>
-            </a:br>
-            <a:r>
-              <a:rPr lang="en-US" sz="1400" b="1" dirty="0"/>
-              <a:t>(Pre-processing - II)</a:t>
+              <a:t>(Pre-processing I )</a:t>
             </a:r>
           </a:p>
         </p:txBody>
@@ -3375,7 +3367,7 @@
         </p:nvSpPr>
         <p:spPr>
           <a:xfrm>
-            <a:off x="1919815" y="7903847"/>
+            <a:off x="1919815" y="6490887"/>
             <a:ext cx="2427214" cy="640680"/>
           </a:xfrm>
           <a:prstGeom prst="roundRect">
@@ -3403,7 +3395,7 @@
             <a:pPr algn="ctr"/>
             <a:r>
               <a:rPr lang="en-US" sz="1400" b="1" dirty="0"/>
-              <a:t>Modelling</a:t>
+              <a:t>Data Set </a:t>
             </a:r>
           </a:p>
         </p:txBody>
@@ -3547,48 +3539,6 @@
           <a:xfrm>
             <a:off x="3133422" y="4045948"/>
             <a:ext cx="0" cy="662583"/>
-          </a:xfrm>
-          <a:prstGeom prst="straightConnector1">
-            <a:avLst/>
-          </a:prstGeom>
-          <a:ln>
-            <a:tailEnd type="triangle"/>
-          </a:ln>
-        </p:spPr>
-        <p:style>
-          <a:lnRef idx="3">
-            <a:schemeClr val="dk1"/>
-          </a:lnRef>
-          <a:fillRef idx="0">
-            <a:schemeClr val="dk1"/>
-          </a:fillRef>
-          <a:effectRef idx="2">
-            <a:schemeClr val="dk1"/>
-          </a:effectRef>
-          <a:fontRef idx="minor">
-            <a:schemeClr val="tx1"/>
-          </a:fontRef>
-        </p:style>
-      </p:cxnSp>
-      <p:cxnSp>
-        <p:nvCxnSpPr>
-          <p:cNvPr id="22" name="Straight Arrow Connector 21">
-            <a:extLst>
-              <a:ext uri="{FF2B5EF4-FFF2-40B4-BE49-F238E27FC236}">
-                <a16:creationId xmlns:a16="http://schemas.microsoft.com/office/drawing/2014/main" id="{0CFC3904-EDB7-4A67-858B-B2DE347E1536}"/>
-              </a:ext>
-            </a:extLst>
-          </p:cNvPr>
-          <p:cNvCxnSpPr>
-            <a:cxnSpLocks/>
-            <a:endCxn id="13" idx="1"/>
-          </p:cNvCxnSpPr>
-          <p:nvPr/>
-        </p:nvCxnSpPr>
-        <p:spPr>
-          <a:xfrm>
-            <a:off x="4347029" y="5037516"/>
-            <a:ext cx="1618046" cy="311695"/>
           </a:xfrm>
           <a:prstGeom prst="straightConnector1">
             <a:avLst/>
@@ -3710,14 +3660,14 @@
           <p:cNvCxnSpPr>
             <a:cxnSpLocks/>
             <a:stCxn id="12" idx="1"/>
-            <a:endCxn id="11" idx="3"/>
+            <a:endCxn id="14" idx="3"/>
           </p:cNvCxnSpPr>
           <p:nvPr/>
         </p:nvCxnSpPr>
         <p:spPr>
           <a:xfrm flipH="1">
             <a:off x="4347029" y="6358561"/>
-            <a:ext cx="1618046" cy="267968"/>
+            <a:ext cx="1618046" cy="452666"/>
           </a:xfrm>
           <a:prstGeom prst="straightConnector1">
             <a:avLst/>
@@ -3752,13 +3702,12 @@
           </p:cNvPr>
           <p:cNvCxnSpPr>
             <a:cxnSpLocks/>
-            <a:endCxn id="14" idx="0"/>
           </p:cNvCxnSpPr>
           <p:nvPr/>
         </p:nvCxnSpPr>
         <p:spPr>
           <a:xfrm>
-            <a:off x="3133422" y="6946869"/>
+            <a:off x="3108777" y="7131567"/>
             <a:ext cx="0" cy="956978"/>
           </a:xfrm>
           <a:prstGeom prst="straightConnector1">
@@ -3783,6 +3732,185 @@
           </a:fontRef>
         </p:style>
       </p:cxnSp>
+      <p:sp>
+        <p:nvSpPr>
+          <p:cNvPr id="23" name="Rectangle: Rounded Corners 22">
+            <a:extLst>
+              <a:ext uri="{FF2B5EF4-FFF2-40B4-BE49-F238E27FC236}">
+                <a16:creationId xmlns:a16="http://schemas.microsoft.com/office/drawing/2014/main" id="{17F2F2E7-F127-4737-85E4-E1FBA2F02673}"/>
+              </a:ext>
+            </a:extLst>
+          </p:cNvPr>
+          <p:cNvSpPr/>
+          <p:nvPr/>
+        </p:nvSpPr>
+        <p:spPr>
+          <a:xfrm>
+            <a:off x="5965075" y="3990935"/>
+            <a:ext cx="2657930" cy="623390"/>
+          </a:xfrm>
+          <a:prstGeom prst="roundRect">
+            <a:avLst/>
+          </a:prstGeom>
+        </p:spPr>
+        <p:style>
+          <a:lnRef idx="2">
+            <a:schemeClr val="dk1"/>
+          </a:lnRef>
+          <a:fillRef idx="1">
+            <a:schemeClr val="lt1"/>
+          </a:fillRef>
+          <a:effectRef idx="0">
+            <a:schemeClr val="dk1"/>
+          </a:effectRef>
+          <a:fontRef idx="minor">
+            <a:schemeClr val="dk1"/>
+          </a:fontRef>
+        </p:style>
+        <p:txBody>
+          <a:bodyPr rtlCol="0" anchor="ctr"/>
+          <a:lstStyle/>
+          <a:p>
+            <a:pPr algn="ctr"/>
+            <a:r>
+              <a:rPr lang="en-US" sz="1400" b="1" dirty="0"/>
+              <a:t>Sentiment Analysis</a:t>
+            </a:r>
+          </a:p>
+        </p:txBody>
+      </p:sp>
+      <p:cxnSp>
+        <p:nvCxnSpPr>
+          <p:cNvPr id="25" name="Straight Arrow Connector 24">
+            <a:extLst>
+              <a:ext uri="{FF2B5EF4-FFF2-40B4-BE49-F238E27FC236}">
+                <a16:creationId xmlns:a16="http://schemas.microsoft.com/office/drawing/2014/main" id="{D29CCFF4-3DA1-477E-A1E7-F3A384F57BB1}"/>
+              </a:ext>
+            </a:extLst>
+          </p:cNvPr>
+          <p:cNvCxnSpPr>
+            <a:cxnSpLocks/>
+            <a:stCxn id="9" idx="3"/>
+          </p:cNvCxnSpPr>
+          <p:nvPr/>
+        </p:nvCxnSpPr>
+        <p:spPr>
+          <a:xfrm>
+            <a:off x="4347029" y="3725608"/>
+            <a:ext cx="1618046" cy="1623603"/>
+          </a:xfrm>
+          <a:prstGeom prst="straightConnector1">
+            <a:avLst/>
+          </a:prstGeom>
+          <a:ln>
+            <a:tailEnd type="triangle"/>
+          </a:ln>
+        </p:spPr>
+        <p:style>
+          <a:lnRef idx="3">
+            <a:schemeClr val="dk1"/>
+          </a:lnRef>
+          <a:fillRef idx="0">
+            <a:schemeClr val="dk1"/>
+          </a:fillRef>
+          <a:effectRef idx="2">
+            <a:schemeClr val="dk1"/>
+          </a:effectRef>
+          <a:fontRef idx="minor">
+            <a:schemeClr val="tx1"/>
+          </a:fontRef>
+        </p:style>
+      </p:cxnSp>
+      <p:cxnSp>
+        <p:nvCxnSpPr>
+          <p:cNvPr id="26" name="Straight Arrow Connector 25">
+            <a:extLst>
+              <a:ext uri="{FF2B5EF4-FFF2-40B4-BE49-F238E27FC236}">
+                <a16:creationId xmlns:a16="http://schemas.microsoft.com/office/drawing/2014/main" id="{4AA0F520-717C-42E7-9D5D-EE97E24B7621}"/>
+              </a:ext>
+            </a:extLst>
+          </p:cNvPr>
+          <p:cNvCxnSpPr>
+            <a:cxnSpLocks/>
+            <a:stCxn id="9" idx="3"/>
+            <a:endCxn id="23" idx="1"/>
+          </p:cNvCxnSpPr>
+          <p:nvPr/>
+        </p:nvCxnSpPr>
+        <p:spPr>
+          <a:xfrm>
+            <a:off x="4347029" y="3725608"/>
+            <a:ext cx="1618046" cy="577022"/>
+          </a:xfrm>
+          <a:prstGeom prst="straightConnector1">
+            <a:avLst/>
+          </a:prstGeom>
+          <a:ln>
+            <a:tailEnd type="triangle"/>
+          </a:ln>
+        </p:spPr>
+        <p:style>
+          <a:lnRef idx="3">
+            <a:schemeClr val="dk1"/>
+          </a:lnRef>
+          <a:fillRef idx="0">
+            <a:schemeClr val="dk1"/>
+          </a:fillRef>
+          <a:effectRef idx="2">
+            <a:schemeClr val="dk1"/>
+          </a:effectRef>
+          <a:fontRef idx="minor">
+            <a:schemeClr val="tx1"/>
+          </a:fontRef>
+        </p:style>
+      </p:cxnSp>
+      <p:sp>
+        <p:nvSpPr>
+          <p:cNvPr id="29" name="Rectangle: Rounded Corners 28">
+            <a:extLst>
+              <a:ext uri="{FF2B5EF4-FFF2-40B4-BE49-F238E27FC236}">
+                <a16:creationId xmlns:a16="http://schemas.microsoft.com/office/drawing/2014/main" id="{C1431CCD-A29A-4A09-A93C-88439E1622CD}"/>
+              </a:ext>
+            </a:extLst>
+          </p:cNvPr>
+          <p:cNvSpPr/>
+          <p:nvPr/>
+        </p:nvSpPr>
+        <p:spPr>
+          <a:xfrm>
+            <a:off x="1919815" y="8106432"/>
+            <a:ext cx="2427214" cy="640680"/>
+          </a:xfrm>
+          <a:prstGeom prst="roundRect">
+            <a:avLst/>
+          </a:prstGeom>
+        </p:spPr>
+        <p:style>
+          <a:lnRef idx="2">
+            <a:schemeClr val="dk1"/>
+          </a:lnRef>
+          <a:fillRef idx="1">
+            <a:schemeClr val="lt1"/>
+          </a:fillRef>
+          <a:effectRef idx="0">
+            <a:schemeClr val="dk1"/>
+          </a:effectRef>
+          <a:fontRef idx="minor">
+            <a:schemeClr val="dk1"/>
+          </a:fontRef>
+        </p:style>
+        <p:txBody>
+          <a:bodyPr rtlCol="0" anchor="ctr"/>
+          <a:lstStyle/>
+          <a:p>
+            <a:pPr algn="ctr"/>
+            <a:r>
+              <a:rPr lang="en-US" sz="1400" b="1" dirty="0"/>
+              <a:t>Modelling</a:t>
+            </a:r>
+          </a:p>
+        </p:txBody>
+      </p:sp>
     </p:spTree>
     <p:extLst>
       <p:ext uri="{BB962C8B-B14F-4D97-AF65-F5344CB8AC3E}">
